--- a/AD API.pptx
+++ b/AD API.pptx
@@ -7,6 +7,7 @@
   <p:sldIdLst>
     <p:sldId id="256" r:id="rId3"/>
     <p:sldId id="257" r:id="rId4"/>
+    <p:sldId id="258" r:id="rId5"/>
   </p:sldIdLst>
   <p:sldSz cx="12192000" cy="6858000"/>
   <p:notesSz cx="6858000" cy="9144000"/>
@@ -3025,7 +3026,144 @@
             </a:pPr>
             <a:r>
               <a:rPr lang="x-none" altLang="zh-TW"/>
-              <a:t>POST /api/media/upload</a:t>
+              <a:t>POST /api/media/new</a:t>
+            </a:r>
+            <a:endParaRPr lang="x-none" altLang="zh-TW"/>
+          </a:p>
+          <a:p>
+            <a:pPr marL="0" indent="0">
+              <a:buNone/>
+            </a:pPr>
+            <a:r>
+              <a:rPr lang="x-none" altLang="zh-TW"/>
+              <a:t>POST /api/media/delete</a:t>
+            </a:r>
+            <a:endParaRPr lang="x-none" altLang="zh-TW"/>
+          </a:p>
+          <a:p>
+            <a:pPr marL="0" indent="0">
+              <a:buNone/>
+            </a:pPr>
+            <a:r>
+              <a:rPr lang="x-none" altLang="zh-TW"/>
+              <a:t>POST /api/media/select-screens</a:t>
+            </a:r>
+            <a:endParaRPr lang="x-none" altLang="zh-TW"/>
+          </a:p>
+          <a:p>
+            <a:pPr marL="0" indent="0">
+              <a:buNone/>
+            </a:pPr>
+            <a:endParaRPr lang="x-none" altLang="zh-TW"/>
+          </a:p>
+        </p:txBody>
+      </p:sp>
+    </p:spTree>
+  </p:cSld>
+  <p:clrMapOvr>
+    <a:masterClrMapping/>
+  </p:clrMapOvr>
+</p:sld>
+</file>
+
+<file path=ppt/slides/slide3.xml><?xml version="1.0" encoding="utf-8"?>
+<p:sld xmlns:a="http://schemas.openxmlformats.org/drawingml/2006/main" xmlns:r="http://schemas.openxmlformats.org/officeDocument/2006/relationships" xmlns:p="http://schemas.openxmlformats.org/presentationml/2006/main">
+  <p:cSld>
+    <p:spTree>
+      <p:nvGrpSpPr>
+        <p:cNvPr id="1" name=""/>
+        <p:cNvGrpSpPr/>
+        <p:nvPr/>
+      </p:nvGrpSpPr>
+      <p:grpSpPr/>
+      <p:sp>
+        <p:nvSpPr>
+          <p:cNvPr id="2" name="標題 1"/>
+          <p:cNvSpPr>
+            <a:spLocks noGrp="1"/>
+          </p:cNvSpPr>
+          <p:nvPr>
+            <p:ph type="title"/>
+          </p:nvPr>
+        </p:nvSpPr>
+        <p:spPr/>
+        <p:txBody>
+          <a:bodyPr/>
+          <a:p>
+            <a:r>
+              <a:rPr lang="x-none" altLang="zh-TW"/>
+              <a:t>screen</a:t>
+            </a:r>
+            <a:endParaRPr lang="x-none" altLang="zh-TW"/>
+          </a:p>
+        </p:txBody>
+      </p:sp>
+      <p:sp>
+        <p:nvSpPr>
+          <p:cNvPr id="3" name="內容版面配置區 2"/>
+          <p:cNvSpPr>
+            <a:spLocks noGrp="1"/>
+          </p:cNvSpPr>
+          <p:nvPr>
+            <p:ph idx="1"/>
+          </p:nvPr>
+        </p:nvSpPr>
+        <p:spPr/>
+        <p:txBody>
+          <a:bodyPr/>
+          <a:p>
+            <a:pPr marL="0" indent="0">
+              <a:buNone/>
+            </a:pPr>
+            <a:r>
+              <a:rPr lang="x-none" altLang="zh-TW"/>
+              <a:t>POST /api/screen/new</a:t>
+            </a:r>
+            <a:endParaRPr lang="x-none" altLang="zh-TW"/>
+          </a:p>
+          <a:p>
+            <a:pPr marL="0" indent="0">
+              <a:buNone/>
+            </a:pPr>
+            <a:r>
+              <a:rPr lang="x-none" altLang="zh-TW"/>
+              <a:t>POST /api/screens</a:t>
+            </a:r>
+            <a:endParaRPr lang="x-none" altLang="zh-TW"/>
+          </a:p>
+          <a:p>
+            <a:pPr marL="0" indent="0">
+              <a:buNone/>
+            </a:pPr>
+            <a:r>
+              <a:rPr lang="x-none" altLang="zh-TW"/>
+              <a:t>POST /api/screen/videos</a:t>
+            </a:r>
+            <a:endParaRPr lang="x-none" altLang="zh-TW"/>
+          </a:p>
+          <a:p>
+            <a:pPr marL="0" indent="0">
+              <a:buNone/>
+            </a:pPr>
+            <a:r>
+              <a:rPr lang="x-none" altLang="zh-TW">
+                <a:sym typeface="+mn-ea"/>
+              </a:rPr>
+              <a:t>POST /api/screen/videos</a:t>
+            </a:r>
+            <a:r>
+              <a:rPr lang="x-none" altLang="zh-TW"/>
+              <a:t>/sequence</a:t>
+            </a:r>
+            <a:endParaRPr lang="x-none" altLang="zh-TW"/>
+          </a:p>
+          <a:p>
+            <a:pPr marL="0" indent="0">
+              <a:buNone/>
+            </a:pPr>
+            <a:r>
+              <a:rPr lang="x-none" altLang="zh-TW"/>
+              <a:t>POST /api/screen/delete</a:t>
             </a:r>
             <a:endParaRPr lang="x-none" altLang="zh-TW"/>
           </a:p>
